--- a/Tekle_Amanuel_Capstone2_PowerPoint.pptx
+++ b/Tekle_Amanuel_Capstone2_PowerPoint.pptx
@@ -230,7 +230,7 @@
           <a:p>
             <a:fld id="{500BE106-9E8F-5E4B-8372-DEE3BFEF72D4}" type="datetimeFigureOut">
               <a:rPr lang="en-US" smtClean="0"/>
-              <a:t>6/8/2022</a:t>
+              <a:t>6/9/2022</a:t>
             </a:fld>
             <a:endParaRPr lang="en-US" dirty="0"/>
           </a:p>
@@ -407,7 +407,7 @@
           <a:p>
             <a:fld id="{78C78EF0-0DF0-8442-8A08-5681612D9C6F}" type="datetimeFigureOut">
               <a:rPr lang="en-US" smtClean="0"/>
-              <a:t>6/8/2022</a:t>
+              <a:t>6/9/2022</a:t>
             </a:fld>
             <a:endParaRPr lang="en-US" dirty="0"/>
           </a:p>
@@ -14073,6 +14073,12 @@
             <a:r>
               <a:rPr lang="en-US" dirty="0"/>
               <a:t>Python Integration</a:t>
+            </a:r>
+          </a:p>
+          <a:p>
+            <a:r>
+              <a:rPr lang="en-US" dirty="0"/>
+              <a:t>Navigation buttons</a:t>
             </a:r>
           </a:p>
           <a:p>
@@ -15237,6 +15243,15 @@
 </file>
 
 <file path=customXml/item2.xml><?xml version="1.0" encoding="utf-8"?>
+<?mso-contentType ?>
+<FormTemplates xmlns="http://schemas.microsoft.com/sharepoint/v3/contenttype/forms">
+  <Display>DocumentLibraryForm</Display>
+  <Edit>DocumentLibraryForm</Edit>
+  <New>DocumentLibraryForm</New>
+</FormTemplates>
+</file>
+
+<file path=customXml/item3.xml><?xml version="1.0" encoding="utf-8"?>
 <ct:contentTypeSchema xmlns:ct="http://schemas.microsoft.com/office/2006/metadata/contentType" xmlns:ma="http://schemas.microsoft.com/office/2006/metadata/properties/metaAttributes" ct:_="" ma:_="" ma:contentTypeName="Document" ma:contentTypeID="0x010100FEF7458C51E57141848015B90E19E3FF" ma:contentTypeVersion="15" ma:contentTypeDescription="Create a new document." ma:contentTypeScope="" ma:versionID="12fb0db276e8be4984a0823ffe929ad1">
   <xsd:schema xmlns:xsd="http://www.w3.org/2001/XMLSchema" xmlns:xs="http://www.w3.org/2001/XMLSchema" xmlns:p="http://schemas.microsoft.com/office/2006/metadata/properties" xmlns:ns2="d2a9f884-c2eb-4182-8d97-b2c1069a1e77" xmlns:ns3="ad1dcd44-2c79-421e-996d-e07b6b6a06b7" xmlns:ns4="872877ae-a410-445f-835b-653367d2e530" targetNamespace="http://schemas.microsoft.com/office/2006/metadata/properties" ma:root="true" ma:fieldsID="7f400bb4bb80b6365717ab8834d3c4dc" ns2:_="" ns3:_="" ns4:_="">
     <xsd:import namespace="d2a9f884-c2eb-4182-8d97-b2c1069a1e77"/>
@@ -15472,15 +15487,6 @@
 </ct:contentTypeSchema>
 </file>
 
-<file path=customXml/item3.xml><?xml version="1.0" encoding="utf-8"?>
-<?mso-contentType ?>
-<FormTemplates xmlns="http://schemas.microsoft.com/sharepoint/v3/contenttype/forms">
-  <Display>DocumentLibraryForm</Display>
-  <Edit>DocumentLibraryForm</Edit>
-  <New>DocumentLibraryForm</New>
-</FormTemplates>
-</file>
-
 <file path=customXml/itemProps1.xml><?xml version="1.0" encoding="utf-8"?>
 <ds:datastoreItem xmlns:ds="http://schemas.openxmlformats.org/officeDocument/2006/customXml" ds:itemID="{E3F0252B-B6E9-4221-B01E-0247E154DC26}">
   <ds:schemaRefs>
@@ -15500,6 +15506,14 @@
 </file>
 
 <file path=customXml/itemProps2.xml><?xml version="1.0" encoding="utf-8"?>
+<ds:datastoreItem xmlns:ds="http://schemas.openxmlformats.org/officeDocument/2006/customXml" ds:itemID="{F11117D9-2152-408D-8EA9-A138D8484626}">
+  <ds:schemaRefs>
+    <ds:schemaRef ds:uri="http://schemas.microsoft.com/sharepoint/v3/contenttype/forms"/>
+  </ds:schemaRefs>
+</ds:datastoreItem>
+</file>
+
+<file path=customXml/itemProps3.xml><?xml version="1.0" encoding="utf-8"?>
 <ds:datastoreItem xmlns:ds="http://schemas.openxmlformats.org/officeDocument/2006/customXml" ds:itemID="{466406F6-04EA-49D7-891D-0329DF4DFC24}">
   <ds:schemaRefs>
     <ds:schemaRef ds:uri="http://schemas.microsoft.com/office/2006/metadata/contentType"/>
@@ -15517,12 +15531,4 @@
     <ds:schemaRef ds:uri="http://schemas.microsoft.com/internal/obd"/>
   </ds:schemaRefs>
 </ds:datastoreItem>
-</file>
-
-<file path=customXml/itemProps3.xml><?xml version="1.0" encoding="utf-8"?>
-<ds:datastoreItem xmlns:ds="http://schemas.openxmlformats.org/officeDocument/2006/customXml" ds:itemID="{F11117D9-2152-408D-8EA9-A138D8484626}">
-  <ds:schemaRefs>
-    <ds:schemaRef ds:uri="http://schemas.microsoft.com/sharepoint/v3/contenttype/forms"/>
-  </ds:schemaRefs>
-</ds:datastoreItem>
 </file>
--- a/Tekle_Amanuel_Capstone2_PowerPoint.pptx
+++ b/Tekle_Amanuel_Capstone2_PowerPoint.pptx
@@ -5,17 +5,19 @@
     <p:sldMasterId id="2147483769" r:id="rId4"/>
   </p:sldMasterIdLst>
   <p:notesMasterIdLst>
-    <p:notesMasterId r:id="rId10"/>
+    <p:notesMasterId r:id="rId12"/>
   </p:notesMasterIdLst>
   <p:handoutMasterIdLst>
-    <p:handoutMasterId r:id="rId11"/>
+    <p:handoutMasterId r:id="rId13"/>
   </p:handoutMasterIdLst>
   <p:sldIdLst>
     <p:sldId id="330" r:id="rId5"/>
     <p:sldId id="349" r:id="rId6"/>
-    <p:sldId id="355" r:id="rId7"/>
-    <p:sldId id="332" r:id="rId8"/>
-    <p:sldId id="356" r:id="rId9"/>
+    <p:sldId id="358" r:id="rId7"/>
+    <p:sldId id="357" r:id="rId8"/>
+    <p:sldId id="355" r:id="rId9"/>
+    <p:sldId id="332" r:id="rId10"/>
+    <p:sldId id="356" r:id="rId11"/>
   </p:sldIdLst>
   <p:sldSz cx="9144000" cy="5143500" type="screen16x9"/>
   <p:notesSz cx="6950075" cy="9236075"/>
@@ -14040,10 +14042,10 @@
       </p:grpSpPr>
       <p:sp>
         <p:nvSpPr>
-          <p:cNvPr id="8" name="Content Placeholder 7">
-            <a:extLst>
-              <a:ext uri="{FF2B5EF4-FFF2-40B4-BE49-F238E27FC236}">
-                <a16:creationId xmlns:a16="http://schemas.microsoft.com/office/drawing/2014/main" id="{07633A60-68FA-EB48-851F-185DFAC1C529}"/>
+          <p:cNvPr id="2" name="Content Placeholder 1">
+            <a:extLst>
+              <a:ext uri="{FF2B5EF4-FFF2-40B4-BE49-F238E27FC236}">
+                <a16:creationId xmlns:a16="http://schemas.microsoft.com/office/drawing/2014/main" id="{576A4243-FE59-061F-B7A7-B7424B7C6600}"/>
               </a:ext>
             </a:extLst>
           </p:cNvPr>
@@ -14056,8 +14058,8 @@
         </p:nvSpPr>
         <p:spPr>
           <a:xfrm>
-            <a:off x="504825" y="1751163"/>
-            <a:ext cx="3701415" cy="1466822"/>
+            <a:off x="504826" y="1751163"/>
+            <a:ext cx="6444615" cy="2696444"/>
           </a:xfrm>
         </p:spPr>
         <p:txBody>
@@ -14065,36 +14067,18 @@
           <a:lstStyle/>
           <a:p>
             <a:r>
-              <a:rPr lang="en-US" dirty="0"/>
-              <a:t>Drill through options</a:t>
-            </a:r>
-          </a:p>
-          <a:p>
-            <a:r>
-              <a:rPr lang="en-US" dirty="0"/>
-              <a:t>Python Integration</a:t>
-            </a:r>
-          </a:p>
-          <a:p>
-            <a:r>
-              <a:rPr lang="en-US" dirty="0"/>
-              <a:t>Navigation buttons</a:t>
-            </a:r>
-          </a:p>
-          <a:p>
-            <a:endParaRPr lang="en-US" dirty="0"/>
-          </a:p>
-          <a:p>
-            <a:endParaRPr lang="en-US" dirty="0"/>
+              <a:rPr lang="en-US" sz="1400" dirty="0"/>
+              <a:t>How has the 3-point line changed the game of basketball?</a:t>
+            </a:r>
           </a:p>
         </p:txBody>
       </p:sp>
       <p:sp>
         <p:nvSpPr>
-          <p:cNvPr id="7" name="Title 6">
-            <a:extLst>
-              <a:ext uri="{FF2B5EF4-FFF2-40B4-BE49-F238E27FC236}">
-                <a16:creationId xmlns:a16="http://schemas.microsoft.com/office/drawing/2014/main" id="{BA589A53-2DD7-164C-B603-261A24E6203A}"/>
+          <p:cNvPr id="3" name="Title 2">
+            <a:extLst>
+              <a:ext uri="{FF2B5EF4-FFF2-40B4-BE49-F238E27FC236}">
+                <a16:creationId xmlns:a16="http://schemas.microsoft.com/office/drawing/2014/main" id="{1791FBE1-C116-6961-3C55-3A5C77EAE881}"/>
               </a:ext>
             </a:extLst>
           </p:cNvPr>
@@ -14112,7 +14096,152 @@
           <a:p>
             <a:r>
               <a:rPr lang="en-US" dirty="0"/>
-              <a:t>Stretch</a:t>
+              <a:t>Topic of Interest </a:t>
+            </a:r>
+          </a:p>
+        </p:txBody>
+      </p:sp>
+      <p:sp>
+        <p:nvSpPr>
+          <p:cNvPr id="5" name="Text Placeholder 4">
+            <a:extLst>
+              <a:ext uri="{FF2B5EF4-FFF2-40B4-BE49-F238E27FC236}">
+                <a16:creationId xmlns:a16="http://schemas.microsoft.com/office/drawing/2014/main" id="{11A0F454-6748-8F05-7952-56D824D62F3F}"/>
+              </a:ext>
+            </a:extLst>
+          </p:cNvPr>
+          <p:cNvSpPr>
+            <a:spLocks noGrp="1"/>
+          </p:cNvSpPr>
+          <p:nvPr>
+            <p:ph type="body" sz="quarter" idx="16"/>
+          </p:nvPr>
+        </p:nvSpPr>
+        <p:spPr/>
+        <p:txBody>
+          <a:bodyPr/>
+          <a:lstStyle/>
+          <a:p>
+            <a:r>
+              <a:rPr lang="en-US" dirty="0"/>
+              <a:t>Two Point Shot vs Three Point Shot: How Basketball Has Changed</a:t>
+            </a:r>
+          </a:p>
+        </p:txBody>
+      </p:sp>
+    </p:spTree>
+    <p:extLst>
+      <p:ext uri="{BB962C8B-B14F-4D97-AF65-F5344CB8AC3E}">
+        <p14:creationId xmlns:p14="http://schemas.microsoft.com/office/powerpoint/2010/main" val="3938278455"/>
+      </p:ext>
+    </p:extLst>
+  </p:cSld>
+  <p:clrMapOvr>
+    <a:masterClrMapping/>
+  </p:clrMapOvr>
+</p:sld>
+</file>
+
+<file path=ppt/slides/slide4.xml><?xml version="1.0" encoding="utf-8"?>
+<p:sld xmlns:a="http://schemas.openxmlformats.org/drawingml/2006/main" xmlns:r="http://schemas.openxmlformats.org/officeDocument/2006/relationships" xmlns:p="http://schemas.openxmlformats.org/presentationml/2006/main">
+  <p:cSld>
+    <p:spTree>
+      <p:nvGrpSpPr>
+        <p:cNvPr id="1" name=""/>
+        <p:cNvGrpSpPr/>
+        <p:nvPr/>
+      </p:nvGrpSpPr>
+      <p:grpSpPr>
+        <a:xfrm>
+          <a:off x="0" y="0"/>
+          <a:ext cx="0" cy="0"/>
+          <a:chOff x="0" y="0"/>
+          <a:chExt cx="0" cy="0"/>
+        </a:xfrm>
+      </p:grpSpPr>
+      <p:sp>
+        <p:nvSpPr>
+          <p:cNvPr id="8" name="Content Placeholder 7">
+            <a:extLst>
+              <a:ext uri="{FF2B5EF4-FFF2-40B4-BE49-F238E27FC236}">
+                <a16:creationId xmlns:a16="http://schemas.microsoft.com/office/drawing/2014/main" id="{07633A60-68FA-EB48-851F-185DFAC1C529}"/>
+              </a:ext>
+            </a:extLst>
+          </p:cNvPr>
+          <p:cNvSpPr>
+            <a:spLocks noGrp="1"/>
+          </p:cNvSpPr>
+          <p:nvPr>
+            <p:ph sz="half" idx="1"/>
+          </p:nvPr>
+        </p:nvSpPr>
+        <p:spPr>
+          <a:xfrm>
+            <a:off x="504825" y="1751163"/>
+            <a:ext cx="3701415" cy="1466822"/>
+          </a:xfrm>
+        </p:spPr>
+        <p:txBody>
+          <a:bodyPr/>
+          <a:lstStyle/>
+          <a:p>
+            <a:r>
+              <a:rPr lang="en-US" dirty="0"/>
+              <a:t>Excel/ </a:t>
+            </a:r>
+            <a:r>
+              <a:rPr lang="en-US" dirty="0" err="1"/>
+              <a:t>Juypter</a:t>
+            </a:r>
+            <a:r>
+              <a:rPr lang="en-US" dirty="0"/>
+              <a:t> Notebook</a:t>
+            </a:r>
+          </a:p>
+          <a:p>
+            <a:r>
+              <a:rPr lang="en-US" dirty="0"/>
+              <a:t>Git Bash</a:t>
+            </a:r>
+          </a:p>
+          <a:p>
+            <a:r>
+              <a:rPr lang="en-US" dirty="0"/>
+              <a:t>Power BI</a:t>
+            </a:r>
+          </a:p>
+          <a:p>
+            <a:endParaRPr lang="en-US" dirty="0"/>
+          </a:p>
+          <a:p>
+            <a:endParaRPr lang="en-US" dirty="0"/>
+          </a:p>
+        </p:txBody>
+      </p:sp>
+      <p:sp>
+        <p:nvSpPr>
+          <p:cNvPr id="7" name="Title 6">
+            <a:extLst>
+              <a:ext uri="{FF2B5EF4-FFF2-40B4-BE49-F238E27FC236}">
+                <a16:creationId xmlns:a16="http://schemas.microsoft.com/office/drawing/2014/main" id="{BA589A53-2DD7-164C-B603-261A24E6203A}"/>
+              </a:ext>
+            </a:extLst>
+          </p:cNvPr>
+          <p:cNvSpPr>
+            <a:spLocks noGrp="1"/>
+          </p:cNvSpPr>
+          <p:nvPr>
+            <p:ph type="title"/>
+          </p:nvPr>
+        </p:nvSpPr>
+        <p:spPr/>
+        <p:txBody>
+          <a:bodyPr/>
+          <a:lstStyle/>
+          <a:p>
+            <a:r>
+              <a:rPr lang="en-US" dirty="0"/>
+              <a:t>Tools/Steps</a:t>
             </a:r>
           </a:p>
         </p:txBody>
@@ -14187,7 +14316,217 @@
                 <a:tabLst/>
                 <a:defRPr/>
               </a:pPr>
-              <a:t>3</a:t>
+              <a:t>4</a:t>
+            </a:fld>
+            <a:endParaRPr kumimoji="0" lang="en-US" sz="800" b="0" i="0" u="none" strike="noStrike" kern="1200" cap="none" spc="0" normalizeH="0" baseline="0" noProof="0" dirty="0">
+              <a:ln>
+                <a:noFill/>
+              </a:ln>
+              <a:solidFill>
+                <a:srgbClr val="FFFFFF"/>
+              </a:solidFill>
+              <a:effectLst/>
+              <a:uLnTx/>
+              <a:uFillTx/>
+              <a:latin typeface="Arial" panose="020B0604020202020204"/>
+              <a:ea typeface="+mn-ea"/>
+              <a:cs typeface="+mn-cs"/>
+            </a:endParaRPr>
+          </a:p>
+        </p:txBody>
+      </p:sp>
+    </p:spTree>
+    <p:extLst>
+      <p:ext uri="{BB962C8B-B14F-4D97-AF65-F5344CB8AC3E}">
+        <p14:creationId xmlns:p14="http://schemas.microsoft.com/office/powerpoint/2010/main" val="630212013"/>
+      </p:ext>
+    </p:extLst>
+  </p:cSld>
+  <p:clrMapOvr>
+    <a:masterClrMapping/>
+  </p:clrMapOvr>
+  <mc:AlternateContent xmlns:mc="http://schemas.openxmlformats.org/markup-compatibility/2006" xmlns:p14="http://schemas.microsoft.com/office/powerpoint/2010/main">
+    <mc:Choice Requires="p14">
+      <p:transition spd="med" p14:dur="700">
+        <p:fade/>
+      </p:transition>
+    </mc:Choice>
+    <mc:Fallback xmlns="">
+      <p:transition spd="med">
+        <p:fade/>
+      </p:transition>
+    </mc:Fallback>
+  </mc:AlternateContent>
+</p:sld>
+</file>
+
+<file path=ppt/slides/slide5.xml><?xml version="1.0" encoding="utf-8"?>
+<p:sld xmlns:a="http://schemas.openxmlformats.org/drawingml/2006/main" xmlns:r="http://schemas.openxmlformats.org/officeDocument/2006/relationships" xmlns:p="http://schemas.openxmlformats.org/presentationml/2006/main">
+  <p:cSld>
+    <p:spTree>
+      <p:nvGrpSpPr>
+        <p:cNvPr id="1" name=""/>
+        <p:cNvGrpSpPr/>
+        <p:nvPr/>
+      </p:nvGrpSpPr>
+      <p:grpSpPr>
+        <a:xfrm>
+          <a:off x="0" y="0"/>
+          <a:ext cx="0" cy="0"/>
+          <a:chOff x="0" y="0"/>
+          <a:chExt cx="0" cy="0"/>
+        </a:xfrm>
+      </p:grpSpPr>
+      <p:sp>
+        <p:nvSpPr>
+          <p:cNvPr id="8" name="Content Placeholder 7">
+            <a:extLst>
+              <a:ext uri="{FF2B5EF4-FFF2-40B4-BE49-F238E27FC236}">
+                <a16:creationId xmlns:a16="http://schemas.microsoft.com/office/drawing/2014/main" id="{07633A60-68FA-EB48-851F-185DFAC1C529}"/>
+              </a:ext>
+            </a:extLst>
+          </p:cNvPr>
+          <p:cNvSpPr>
+            <a:spLocks noGrp="1"/>
+          </p:cNvSpPr>
+          <p:nvPr>
+            <p:ph sz="half" idx="1"/>
+          </p:nvPr>
+        </p:nvSpPr>
+        <p:spPr>
+          <a:xfrm>
+            <a:off x="504825" y="1751163"/>
+            <a:ext cx="3701415" cy="1466822"/>
+          </a:xfrm>
+        </p:spPr>
+        <p:txBody>
+          <a:bodyPr/>
+          <a:lstStyle/>
+          <a:p>
+            <a:r>
+              <a:rPr lang="en-US" dirty="0"/>
+              <a:t>Drill through options</a:t>
+            </a:r>
+          </a:p>
+          <a:p>
+            <a:r>
+              <a:rPr lang="en-US" dirty="0"/>
+              <a:t>Python Integration</a:t>
+            </a:r>
+          </a:p>
+          <a:p>
+            <a:r>
+              <a:rPr lang="en-US" dirty="0"/>
+              <a:t>Navigation buttons</a:t>
+            </a:r>
+          </a:p>
+          <a:p>
+            <a:endParaRPr lang="en-US" dirty="0"/>
+          </a:p>
+          <a:p>
+            <a:endParaRPr lang="en-US" dirty="0"/>
+          </a:p>
+        </p:txBody>
+      </p:sp>
+      <p:sp>
+        <p:nvSpPr>
+          <p:cNvPr id="7" name="Title 6">
+            <a:extLst>
+              <a:ext uri="{FF2B5EF4-FFF2-40B4-BE49-F238E27FC236}">
+                <a16:creationId xmlns:a16="http://schemas.microsoft.com/office/drawing/2014/main" id="{BA589A53-2DD7-164C-B603-261A24E6203A}"/>
+              </a:ext>
+            </a:extLst>
+          </p:cNvPr>
+          <p:cNvSpPr>
+            <a:spLocks noGrp="1"/>
+          </p:cNvSpPr>
+          <p:nvPr>
+            <p:ph type="title"/>
+          </p:nvPr>
+        </p:nvSpPr>
+        <p:spPr/>
+        <p:txBody>
+          <a:bodyPr/>
+          <a:lstStyle/>
+          <a:p>
+            <a:r>
+              <a:rPr lang="en-US" dirty="0"/>
+              <a:t>Stretch</a:t>
+            </a:r>
+          </a:p>
+        </p:txBody>
+      </p:sp>
+      <p:sp>
+        <p:nvSpPr>
+          <p:cNvPr id="17" name="Slide Number Placeholder 5">
+            <a:extLst>
+              <a:ext uri="{FF2B5EF4-FFF2-40B4-BE49-F238E27FC236}">
+                <a16:creationId xmlns:a16="http://schemas.microsoft.com/office/drawing/2014/main" id="{A4A90959-A04F-464A-8A3B-FE3ACB882A44}"/>
+              </a:ext>
+            </a:extLst>
+          </p:cNvPr>
+          <p:cNvSpPr>
+            <a:spLocks noGrp="1"/>
+          </p:cNvSpPr>
+          <p:nvPr>
+            <p:ph type="sldNum" sz="quarter" idx="12"/>
+          </p:nvPr>
+        </p:nvSpPr>
+        <p:spPr/>
+        <p:txBody>
+          <a:bodyPr/>
+          <a:lstStyle/>
+          <a:p>
+            <a:pPr marL="0" marR="0" lvl="0" indent="0" algn="r" defTabSz="685800" rtl="0" eaLnBrk="1" fontAlgn="auto" latinLnBrk="0" hangingPunct="1">
+              <a:lnSpc>
+                <a:spcPct val="100000"/>
+              </a:lnSpc>
+              <a:spcBef>
+                <a:spcPts val="0"/>
+              </a:spcBef>
+              <a:spcAft>
+                <a:spcPts val="0"/>
+              </a:spcAft>
+              <a:buClrTx/>
+              <a:buSzTx/>
+              <a:buFontTx/>
+              <a:buNone/>
+              <a:tabLst/>
+              <a:defRPr/>
+            </a:pPr>
+            <a:fld id="{535EF33A-04D8-4107-96E5-33B70AE88DFF}" type="slidenum">
+              <a:rPr kumimoji="0" lang="en-US" sz="800" b="0" i="0" u="none" strike="noStrike" kern="1200" cap="none" spc="0" normalizeH="0" baseline="0" noProof="0" smtClean="0">
+                <a:ln>
+                  <a:noFill/>
+                </a:ln>
+                <a:solidFill>
+                  <a:srgbClr val="FFFFFF"/>
+                </a:solidFill>
+                <a:effectLst/>
+                <a:uLnTx/>
+                <a:uFillTx/>
+                <a:latin typeface="Arial" panose="020B0604020202020204"/>
+                <a:ea typeface="+mn-ea"/>
+                <a:cs typeface="+mn-cs"/>
+              </a:rPr>
+              <a:pPr marL="0" marR="0" lvl="0" indent="0" algn="r" defTabSz="685800" rtl="0" eaLnBrk="1" fontAlgn="auto" latinLnBrk="0" hangingPunct="1">
+                <a:lnSpc>
+                  <a:spcPct val="100000"/>
+                </a:lnSpc>
+                <a:spcBef>
+                  <a:spcPts val="0"/>
+                </a:spcBef>
+                <a:spcAft>
+                  <a:spcPts val="0"/>
+                </a:spcAft>
+                <a:buClrTx/>
+                <a:buSzTx/>
+                <a:buFontTx/>
+                <a:buNone/>
+                <a:tabLst/>
+                <a:defRPr/>
+              </a:pPr>
+              <a:t>5</a:t>
             </a:fld>
             <a:endParaRPr kumimoji="0" lang="en-US" sz="800" b="0" i="0" u="none" strike="noStrike" kern="1200" cap="none" spc="0" normalizeH="0" baseline="0" noProof="0" dirty="0">
               <a:ln>
@@ -14231,7 +14570,7 @@
 </p:sld>
 </file>
 
-<file path=ppt/slides/slide4.xml><?xml version="1.0" encoding="utf-8"?>
+<file path=ppt/slides/slide6.xml><?xml version="1.0" encoding="utf-8"?>
 <p:sld xmlns:a="http://schemas.openxmlformats.org/drawingml/2006/main" xmlns:r="http://schemas.openxmlformats.org/officeDocument/2006/relationships" xmlns:p="http://schemas.openxmlformats.org/presentationml/2006/main">
   <p:cSld>
     <p:spTree>
@@ -14306,7 +14645,7 @@
 </p:sld>
 </file>
 
-<file path=ppt/slides/slide5.xml><?xml version="1.0" encoding="utf-8"?>
+<file path=ppt/slides/slide7.xml><?xml version="1.0" encoding="utf-8"?>
 <p:sld xmlns:a="http://schemas.openxmlformats.org/drawingml/2006/main" xmlns:r="http://schemas.openxmlformats.org/officeDocument/2006/relationships" xmlns:p="http://schemas.openxmlformats.org/presentationml/2006/main">
   <p:cSld>
     <p:spTree>
@@ -15243,15 +15582,6 @@
 </file>
 
 <file path=customXml/item2.xml><?xml version="1.0" encoding="utf-8"?>
-<?mso-contentType ?>
-<FormTemplates xmlns="http://schemas.microsoft.com/sharepoint/v3/contenttype/forms">
-  <Display>DocumentLibraryForm</Display>
-  <Edit>DocumentLibraryForm</Edit>
-  <New>DocumentLibraryForm</New>
-</FormTemplates>
-</file>
-
-<file path=customXml/item3.xml><?xml version="1.0" encoding="utf-8"?>
 <ct:contentTypeSchema xmlns:ct="http://schemas.microsoft.com/office/2006/metadata/contentType" xmlns:ma="http://schemas.microsoft.com/office/2006/metadata/properties/metaAttributes" ct:_="" ma:_="" ma:contentTypeName="Document" ma:contentTypeID="0x010100FEF7458C51E57141848015B90E19E3FF" ma:contentTypeVersion="15" ma:contentTypeDescription="Create a new document." ma:contentTypeScope="" ma:versionID="12fb0db276e8be4984a0823ffe929ad1">
   <xsd:schema xmlns:xsd="http://www.w3.org/2001/XMLSchema" xmlns:xs="http://www.w3.org/2001/XMLSchema" xmlns:p="http://schemas.microsoft.com/office/2006/metadata/properties" xmlns:ns2="d2a9f884-c2eb-4182-8d97-b2c1069a1e77" xmlns:ns3="ad1dcd44-2c79-421e-996d-e07b6b6a06b7" xmlns:ns4="872877ae-a410-445f-835b-653367d2e530" targetNamespace="http://schemas.microsoft.com/office/2006/metadata/properties" ma:root="true" ma:fieldsID="7f400bb4bb80b6365717ab8834d3c4dc" ns2:_="" ns3:_="" ns4:_="">
     <xsd:import namespace="d2a9f884-c2eb-4182-8d97-b2c1069a1e77"/>
@@ -15487,6 +15817,15 @@
 </ct:contentTypeSchema>
 </file>
 
+<file path=customXml/item3.xml><?xml version="1.0" encoding="utf-8"?>
+<?mso-contentType ?>
+<FormTemplates xmlns="http://schemas.microsoft.com/sharepoint/v3/contenttype/forms">
+  <Display>DocumentLibraryForm</Display>
+  <Edit>DocumentLibraryForm</Edit>
+  <New>DocumentLibraryForm</New>
+</FormTemplates>
+</file>
+
 <file path=customXml/itemProps1.xml><?xml version="1.0" encoding="utf-8"?>
 <ds:datastoreItem xmlns:ds="http://schemas.openxmlformats.org/officeDocument/2006/customXml" ds:itemID="{E3F0252B-B6E9-4221-B01E-0247E154DC26}">
   <ds:schemaRefs>
@@ -15506,14 +15845,6 @@
 </file>
 
 <file path=customXml/itemProps2.xml><?xml version="1.0" encoding="utf-8"?>
-<ds:datastoreItem xmlns:ds="http://schemas.openxmlformats.org/officeDocument/2006/customXml" ds:itemID="{F11117D9-2152-408D-8EA9-A138D8484626}">
-  <ds:schemaRefs>
-    <ds:schemaRef ds:uri="http://schemas.microsoft.com/sharepoint/v3/contenttype/forms"/>
-  </ds:schemaRefs>
-</ds:datastoreItem>
-</file>
-
-<file path=customXml/itemProps3.xml><?xml version="1.0" encoding="utf-8"?>
 <ds:datastoreItem xmlns:ds="http://schemas.openxmlformats.org/officeDocument/2006/customXml" ds:itemID="{466406F6-04EA-49D7-891D-0329DF4DFC24}">
   <ds:schemaRefs>
     <ds:schemaRef ds:uri="http://schemas.microsoft.com/office/2006/metadata/contentType"/>
@@ -15531,4 +15862,12 @@
     <ds:schemaRef ds:uri="http://schemas.microsoft.com/internal/obd"/>
   </ds:schemaRefs>
 </ds:datastoreItem>
+</file>
+
+<file path=customXml/itemProps3.xml><?xml version="1.0" encoding="utf-8"?>
+<ds:datastoreItem xmlns:ds="http://schemas.openxmlformats.org/officeDocument/2006/customXml" ds:itemID="{F11117D9-2152-408D-8EA9-A138D8484626}">
+  <ds:schemaRefs>
+    <ds:schemaRef ds:uri="http://schemas.microsoft.com/sharepoint/v3/contenttype/forms"/>
+  </ds:schemaRefs>
+</ds:datastoreItem>
 </file>